--- a/(宣道詩135)擘生命餅.pptx
+++ b/(宣道詩135)擘生命餅.pptx
@@ -9,7 +9,7 @@
     <p:sldId id="257" r:id="rId3"/>
     <p:sldId id="258" r:id="rId4"/>
   </p:sldIdLst>
-  <p:sldSz cx="9144000" cy="6858000" type="screen4x3"/>
+  <p:sldSz cx="9144000" cy="5143500" type="screen16x9"/>
   <p:notesSz cx="6858000" cy="9144000"/>
   <p:defaultTextStyle>
     <a:defPPr>
@@ -137,7 +137,7 @@
         <p:grpSpPr bwMode="auto">
           <a:xfrm>
             <a:off x="0" y="0"/>
-            <a:ext cx="9144000" cy="6934200"/>
+            <a:ext cx="9144000" cy="5200650"/>
             <a:chOff x="0" y="0"/>
             <a:chExt cx="5760" cy="4368"/>
           </a:xfrm>
@@ -5288,8 +5288,8 @@
         </p:nvSpPr>
         <p:spPr>
           <a:xfrm>
-            <a:off x="685800" y="1828800"/>
-            <a:ext cx="7772400" cy="1736725"/>
+            <a:off x="685800" y="1371600"/>
+            <a:ext cx="7772400" cy="1302544"/>
           </a:xfrm>
         </p:spPr>
         <p:txBody>
@@ -5320,8 +5320,8 @@
         </p:nvSpPr>
         <p:spPr>
           <a:xfrm>
-            <a:off x="1371600" y="3886200"/>
-            <a:ext cx="6400800" cy="1752600"/>
+            <a:off x="1371600" y="2914650"/>
+            <a:ext cx="6400800" cy="1314450"/>
           </a:xfrm>
         </p:spPr>
         <p:txBody>
@@ -5363,7 +5363,8 @@
           <a:p>
             <a:fld id="{CEEF87D1-C40E-45BF-9ECE-B3A4D4389269}" type="datetimeFigureOut">
               <a:rPr lang="zh-TW" altLang="en-US" smtClean="0"/>
-              <a:t>2016/3/5</a:t>
+              <a:pPr/>
+              <a:t>2020/4/23</a:t>
             </a:fld>
             <a:endParaRPr lang="zh-TW" altLang="en-US"/>
           </a:p>
@@ -5413,6 +5414,7 @@
           <a:p>
             <a:fld id="{4C1A479C-E7AC-45FC-B403-609067965419}" type="slidenum">
               <a:rPr lang="zh-TW" altLang="en-US" smtClean="0"/>
+              <a:pPr/>
               <a:t>‹#›</a:t>
             </a:fld>
             <a:endParaRPr lang="zh-TW" altLang="en-US"/>
@@ -5542,7 +5544,8 @@
           <a:p>
             <a:fld id="{CEEF87D1-C40E-45BF-9ECE-B3A4D4389269}" type="datetimeFigureOut">
               <a:rPr lang="zh-TW" altLang="en-US" smtClean="0"/>
-              <a:t>2016/3/5</a:t>
+              <a:pPr/>
+              <a:t>2020/4/23</a:t>
             </a:fld>
             <a:endParaRPr lang="zh-TW" altLang="en-US"/>
           </a:p>
@@ -5596,6 +5599,7 @@
           <a:p>
             <a:fld id="{4C1A479C-E7AC-45FC-B403-609067965419}" type="slidenum">
               <a:rPr lang="zh-TW" altLang="en-US" smtClean="0"/>
+              <a:pPr/>
               <a:t>‹#›</a:t>
             </a:fld>
             <a:endParaRPr lang="zh-TW" altLang="en-US"/>
@@ -5639,8 +5643,8 @@
         </p:nvSpPr>
         <p:spPr>
           <a:xfrm>
-            <a:off x="6629400" y="277813"/>
-            <a:ext cx="2057400" cy="5853112"/>
+            <a:off x="6629400" y="208360"/>
+            <a:ext cx="2057400" cy="4389834"/>
           </a:xfrm>
         </p:spPr>
         <p:txBody>
@@ -5667,8 +5671,8 @@
         </p:nvSpPr>
         <p:spPr>
           <a:xfrm>
-            <a:off x="457200" y="277813"/>
-            <a:ext cx="6019800" cy="5853112"/>
+            <a:off x="457200" y="208360"/>
+            <a:ext cx="6019800" cy="4389834"/>
           </a:xfrm>
         </p:spPr>
         <p:txBody>
@@ -5735,7 +5739,8 @@
           <a:p>
             <a:fld id="{CEEF87D1-C40E-45BF-9ECE-B3A4D4389269}" type="datetimeFigureOut">
               <a:rPr lang="zh-TW" altLang="en-US" smtClean="0"/>
-              <a:t>2016/3/5</a:t>
+              <a:pPr/>
+              <a:t>2020/4/23</a:t>
             </a:fld>
             <a:endParaRPr lang="zh-TW" altLang="en-US"/>
           </a:p>
@@ -5789,6 +5794,7 @@
           <a:p>
             <a:fld id="{4C1A479C-E7AC-45FC-B403-609067965419}" type="slidenum">
               <a:rPr lang="zh-TW" altLang="en-US" smtClean="0"/>
+              <a:pPr/>
               <a:t>‹#›</a:t>
             </a:fld>
             <a:endParaRPr lang="zh-TW" altLang="en-US"/>
@@ -5918,7 +5924,8 @@
           <a:p>
             <a:fld id="{CEEF87D1-C40E-45BF-9ECE-B3A4D4389269}" type="datetimeFigureOut">
               <a:rPr lang="zh-TW" altLang="en-US" smtClean="0"/>
-              <a:t>2016/3/5</a:t>
+              <a:pPr/>
+              <a:t>2020/4/23</a:t>
             </a:fld>
             <a:endParaRPr lang="zh-TW" altLang="en-US"/>
           </a:p>
@@ -5972,6 +5979,7 @@
           <a:p>
             <a:fld id="{4C1A479C-E7AC-45FC-B403-609067965419}" type="slidenum">
               <a:rPr lang="zh-TW" altLang="en-US" smtClean="0"/>
+              <a:pPr/>
               <a:t>‹#›</a:t>
             </a:fld>
             <a:endParaRPr lang="zh-TW" altLang="en-US"/>
@@ -6015,8 +6023,8 @@
         </p:nvSpPr>
         <p:spPr>
           <a:xfrm>
-            <a:off x="722313" y="4406900"/>
-            <a:ext cx="7772400" cy="1362075"/>
+            <a:off x="722313" y="3305176"/>
+            <a:ext cx="7772400" cy="1021556"/>
           </a:xfrm>
         </p:spPr>
         <p:txBody>
@@ -6047,8 +6055,8 @@
         </p:nvSpPr>
         <p:spPr>
           <a:xfrm>
-            <a:off x="722313" y="2906713"/>
-            <a:ext cx="7772400" cy="1500187"/>
+            <a:off x="722313" y="2180035"/>
+            <a:ext cx="7772400" cy="1125140"/>
           </a:xfrm>
         </p:spPr>
         <p:txBody>
@@ -6123,7 +6131,8 @@
           <a:p>
             <a:fld id="{CEEF87D1-C40E-45BF-9ECE-B3A4D4389269}" type="datetimeFigureOut">
               <a:rPr lang="zh-TW" altLang="en-US" smtClean="0"/>
-              <a:t>2016/3/5</a:t>
+              <a:pPr/>
+              <a:t>2020/4/23</a:t>
             </a:fld>
             <a:endParaRPr lang="zh-TW" altLang="en-US"/>
           </a:p>
@@ -6177,6 +6186,7 @@
           <a:p>
             <a:fld id="{4C1A479C-E7AC-45FC-B403-609067965419}" type="slidenum">
               <a:rPr lang="zh-TW" altLang="en-US" smtClean="0"/>
+              <a:pPr/>
               <a:t>‹#›</a:t>
             </a:fld>
             <a:endParaRPr lang="zh-TW" altLang="en-US"/>
@@ -6243,8 +6253,8 @@
         </p:nvSpPr>
         <p:spPr>
           <a:xfrm>
-            <a:off x="457200" y="1600200"/>
-            <a:ext cx="4038600" cy="4530725"/>
+            <a:off x="457200" y="1200150"/>
+            <a:ext cx="4038600" cy="3398044"/>
           </a:xfrm>
         </p:spPr>
         <p:txBody>
@@ -6328,8 +6338,8 @@
         </p:nvSpPr>
         <p:spPr>
           <a:xfrm>
-            <a:off x="4648200" y="1600200"/>
-            <a:ext cx="4038600" cy="4530725"/>
+            <a:off x="4648200" y="1200150"/>
+            <a:ext cx="4038600" cy="3398044"/>
           </a:xfrm>
         </p:spPr>
         <p:txBody>
@@ -6424,7 +6434,8 @@
           <a:p>
             <a:fld id="{CEEF87D1-C40E-45BF-9ECE-B3A4D4389269}" type="datetimeFigureOut">
               <a:rPr lang="zh-TW" altLang="en-US" smtClean="0"/>
-              <a:t>2016/3/5</a:t>
+              <a:pPr/>
+              <a:t>2020/4/23</a:t>
             </a:fld>
             <a:endParaRPr lang="zh-TW" altLang="en-US"/>
           </a:p>
@@ -6478,6 +6489,7 @@
           <a:p>
             <a:fld id="{4C1A479C-E7AC-45FC-B403-609067965419}" type="slidenum">
               <a:rPr lang="zh-TW" altLang="en-US" smtClean="0"/>
+              <a:pPr/>
               <a:t>‹#›</a:t>
             </a:fld>
             <a:endParaRPr lang="zh-TW" altLang="en-US"/>
@@ -6521,8 +6533,8 @@
         </p:nvSpPr>
         <p:spPr>
           <a:xfrm>
-            <a:off x="457200" y="274638"/>
-            <a:ext cx="8229600" cy="1143000"/>
+            <a:off x="457200" y="205978"/>
+            <a:ext cx="8229600" cy="857250"/>
           </a:xfrm>
         </p:spPr>
         <p:txBody>
@@ -6553,8 +6565,8 @@
         </p:nvSpPr>
         <p:spPr>
           <a:xfrm>
-            <a:off x="457200" y="1535113"/>
-            <a:ext cx="4040188" cy="639762"/>
+            <a:off x="457200" y="1151335"/>
+            <a:ext cx="4040188" cy="479822"/>
           </a:xfrm>
         </p:spPr>
         <p:txBody>
@@ -6618,8 +6630,8 @@
         </p:nvSpPr>
         <p:spPr>
           <a:xfrm>
-            <a:off x="457200" y="2174875"/>
-            <a:ext cx="4040188" cy="3951288"/>
+            <a:off x="457200" y="1631156"/>
+            <a:ext cx="4040188" cy="2963466"/>
           </a:xfrm>
         </p:spPr>
         <p:txBody>
@@ -6703,8 +6715,8 @@
         </p:nvSpPr>
         <p:spPr>
           <a:xfrm>
-            <a:off x="4645025" y="1535113"/>
-            <a:ext cx="4041775" cy="639762"/>
+            <a:off x="4645026" y="1151335"/>
+            <a:ext cx="4041775" cy="479822"/>
           </a:xfrm>
         </p:spPr>
         <p:txBody>
@@ -6768,8 +6780,8 @@
         </p:nvSpPr>
         <p:spPr>
           <a:xfrm>
-            <a:off x="4645025" y="2174875"/>
-            <a:ext cx="4041775" cy="3951288"/>
+            <a:off x="4645026" y="1631156"/>
+            <a:ext cx="4041775" cy="2963466"/>
           </a:xfrm>
         </p:spPr>
         <p:txBody>
@@ -6864,7 +6876,8 @@
           <a:p>
             <a:fld id="{CEEF87D1-C40E-45BF-9ECE-B3A4D4389269}" type="datetimeFigureOut">
               <a:rPr lang="zh-TW" altLang="en-US" smtClean="0"/>
-              <a:t>2016/3/5</a:t>
+              <a:pPr/>
+              <a:t>2020/4/23</a:t>
             </a:fld>
             <a:endParaRPr lang="zh-TW" altLang="en-US"/>
           </a:p>
@@ -6918,6 +6931,7 @@
           <a:p>
             <a:fld id="{4C1A479C-E7AC-45FC-B403-609067965419}" type="slidenum">
               <a:rPr lang="zh-TW" altLang="en-US" smtClean="0"/>
+              <a:pPr/>
               <a:t>‹#›</a:t>
             </a:fld>
             <a:endParaRPr lang="zh-TW" altLang="en-US"/>
@@ -6995,7 +7009,8 @@
           <a:p>
             <a:fld id="{CEEF87D1-C40E-45BF-9ECE-B3A4D4389269}" type="datetimeFigureOut">
               <a:rPr lang="zh-TW" altLang="en-US" smtClean="0"/>
-              <a:t>2016/3/5</a:t>
+              <a:pPr/>
+              <a:t>2020/4/23</a:t>
             </a:fld>
             <a:endParaRPr lang="zh-TW" altLang="en-US"/>
           </a:p>
@@ -7049,6 +7064,7 @@
           <a:p>
             <a:fld id="{4C1A479C-E7AC-45FC-B403-609067965419}" type="slidenum">
               <a:rPr lang="zh-TW" altLang="en-US" smtClean="0"/>
+              <a:pPr/>
               <a:t>‹#›</a:t>
             </a:fld>
             <a:endParaRPr lang="zh-TW" altLang="en-US"/>
@@ -7103,7 +7119,8 @@
           <a:p>
             <a:fld id="{CEEF87D1-C40E-45BF-9ECE-B3A4D4389269}" type="datetimeFigureOut">
               <a:rPr lang="zh-TW" altLang="en-US" smtClean="0"/>
-              <a:t>2016/3/5</a:t>
+              <a:pPr/>
+              <a:t>2020/4/23</a:t>
             </a:fld>
             <a:endParaRPr lang="zh-TW" altLang="en-US"/>
           </a:p>
@@ -7157,6 +7174,7 @@
           <a:p>
             <a:fld id="{4C1A479C-E7AC-45FC-B403-609067965419}" type="slidenum">
               <a:rPr lang="zh-TW" altLang="en-US" smtClean="0"/>
+              <a:pPr/>
               <a:t>‹#›</a:t>
             </a:fld>
             <a:endParaRPr lang="zh-TW" altLang="en-US"/>
@@ -7200,8 +7218,8 @@
         </p:nvSpPr>
         <p:spPr>
           <a:xfrm>
-            <a:off x="457200" y="273050"/>
-            <a:ext cx="3008313" cy="1162050"/>
+            <a:off x="457201" y="204787"/>
+            <a:ext cx="3008313" cy="871538"/>
           </a:xfrm>
         </p:spPr>
         <p:txBody>
@@ -7232,8 +7250,8 @@
         </p:nvSpPr>
         <p:spPr>
           <a:xfrm>
-            <a:off x="3575050" y="273050"/>
-            <a:ext cx="5111750" cy="5853113"/>
+            <a:off x="3575050" y="204788"/>
+            <a:ext cx="5111750" cy="4389835"/>
           </a:xfrm>
         </p:spPr>
         <p:txBody>
@@ -7317,8 +7335,8 @@
         </p:nvSpPr>
         <p:spPr>
           <a:xfrm>
-            <a:off x="457200" y="1435100"/>
-            <a:ext cx="3008313" cy="4691063"/>
+            <a:off x="457201" y="1076326"/>
+            <a:ext cx="3008313" cy="3518297"/>
           </a:xfrm>
         </p:spPr>
         <p:txBody>
@@ -7393,7 +7411,8 @@
           <a:p>
             <a:fld id="{CEEF87D1-C40E-45BF-9ECE-B3A4D4389269}" type="datetimeFigureOut">
               <a:rPr lang="zh-TW" altLang="en-US" smtClean="0"/>
-              <a:t>2016/3/5</a:t>
+              <a:pPr/>
+              <a:t>2020/4/23</a:t>
             </a:fld>
             <a:endParaRPr lang="zh-TW" altLang="en-US"/>
           </a:p>
@@ -7447,6 +7466,7 @@
           <a:p>
             <a:fld id="{4C1A479C-E7AC-45FC-B403-609067965419}" type="slidenum">
               <a:rPr lang="zh-TW" altLang="en-US" smtClean="0"/>
+              <a:pPr/>
               <a:t>‹#›</a:t>
             </a:fld>
             <a:endParaRPr lang="zh-TW" altLang="en-US"/>
@@ -7490,8 +7510,8 @@
         </p:nvSpPr>
         <p:spPr>
           <a:xfrm>
-            <a:off x="1792288" y="4800600"/>
-            <a:ext cx="5486400" cy="566738"/>
+            <a:off x="1792288" y="3600450"/>
+            <a:ext cx="5486400" cy="425054"/>
           </a:xfrm>
         </p:spPr>
         <p:txBody>
@@ -7522,8 +7542,8 @@
         </p:nvSpPr>
         <p:spPr>
           <a:xfrm>
-            <a:off x="1792288" y="612775"/>
-            <a:ext cx="5486400" cy="4114800"/>
+            <a:off x="1792288" y="459581"/>
+            <a:ext cx="5486400" cy="3086100"/>
           </a:xfrm>
         </p:spPr>
         <p:txBody>
@@ -7572,7 +7592,6 @@
               <a:rPr lang="zh-TW" altLang="en-US" noProof="0" smtClean="0"/>
               <a:t>按一下圖示以新增圖片</a:t>
             </a:r>
-            <a:endParaRPr lang="zh-TW" altLang="en-US" noProof="0" smtClean="0"/>
           </a:p>
         </p:txBody>
       </p:sp>
@@ -7588,8 +7607,8 @@
         </p:nvSpPr>
         <p:spPr>
           <a:xfrm>
-            <a:off x="1792288" y="5367338"/>
-            <a:ext cx="5486400" cy="804862"/>
+            <a:off x="1792288" y="4025503"/>
+            <a:ext cx="5486400" cy="603647"/>
           </a:xfrm>
         </p:spPr>
         <p:txBody>
@@ -7664,7 +7683,8 @@
           <a:p>
             <a:fld id="{CEEF87D1-C40E-45BF-9ECE-B3A4D4389269}" type="datetimeFigureOut">
               <a:rPr lang="zh-TW" altLang="en-US" smtClean="0"/>
-              <a:t>2016/3/5</a:t>
+              <a:pPr/>
+              <a:t>2020/4/23</a:t>
             </a:fld>
             <a:endParaRPr lang="zh-TW" altLang="en-US"/>
           </a:p>
@@ -7718,6 +7738,7 @@
           <a:p>
             <a:fld id="{4C1A479C-E7AC-45FC-B403-609067965419}" type="slidenum">
               <a:rPr lang="zh-TW" altLang="en-US" smtClean="0"/>
+              <a:pPr/>
               <a:t>‹#›</a:t>
             </a:fld>
             <a:endParaRPr lang="zh-TW" altLang="en-US"/>
@@ -7776,7 +7797,7 @@
         <p:grpSpPr bwMode="auto">
           <a:xfrm>
             <a:off x="0" y="0"/>
-            <a:ext cx="9144000" cy="6934200"/>
+            <a:ext cx="9144000" cy="5200650"/>
             <a:chOff x="0" y="0"/>
             <a:chExt cx="5760" cy="4368"/>
           </a:xfrm>
@@ -12927,8 +12948,8 @@
         </p:nvSpPr>
         <p:spPr bwMode="auto">
           <a:xfrm>
-            <a:off x="457200" y="277813"/>
-            <a:ext cx="8229600" cy="1143000"/>
+            <a:off x="457200" y="208360"/>
+            <a:ext cx="8229600" cy="857250"/>
           </a:xfrm>
           <a:prstGeom prst="rect">
             <a:avLst/>
@@ -12970,8 +12991,8 @@
         </p:nvSpPr>
         <p:spPr bwMode="auto">
           <a:xfrm>
-            <a:off x="457200" y="1600200"/>
-            <a:ext cx="8229600" cy="4530725"/>
+            <a:off x="457200" y="1200150"/>
+            <a:ext cx="8229600" cy="3398044"/>
           </a:xfrm>
           <a:prstGeom prst="rect">
             <a:avLst/>
@@ -13041,8 +13062,8 @@
         </p:nvSpPr>
         <p:spPr bwMode="auto">
           <a:xfrm>
-            <a:off x="457200" y="6248400"/>
-            <a:ext cx="2133600" cy="457200"/>
+            <a:off x="457200" y="4686300"/>
+            <a:ext cx="2133600" cy="342900"/>
           </a:xfrm>
           <a:prstGeom prst="rect">
             <a:avLst/>
@@ -13078,7 +13099,8 @@
           <a:p>
             <a:fld id="{CEEF87D1-C40E-45BF-9ECE-B3A4D4389269}" type="datetimeFigureOut">
               <a:rPr lang="zh-TW" altLang="en-US" smtClean="0"/>
-              <a:t>2016/3/5</a:t>
+              <a:pPr/>
+              <a:t>2020/4/23</a:t>
             </a:fld>
             <a:endParaRPr lang="zh-TW" altLang="en-US"/>
           </a:p>
@@ -13096,8 +13118,8 @@
         </p:nvSpPr>
         <p:spPr bwMode="auto">
           <a:xfrm>
-            <a:off x="3124200" y="6248400"/>
-            <a:ext cx="2895600" cy="457200"/>
+            <a:off x="3124200" y="4686300"/>
+            <a:ext cx="2895600" cy="342900"/>
           </a:xfrm>
           <a:prstGeom prst="rect">
             <a:avLst/>
@@ -13147,8 +13169,8 @@
         </p:nvSpPr>
         <p:spPr bwMode="auto">
           <a:xfrm>
-            <a:off x="6553200" y="6248400"/>
-            <a:ext cx="2133600" cy="457200"/>
+            <a:off x="6553200" y="4686300"/>
+            <a:ext cx="2133600" cy="342900"/>
           </a:xfrm>
           <a:prstGeom prst="rect">
             <a:avLst/>
@@ -13184,6 +13206,7 @@
           <a:p>
             <a:fld id="{4C1A479C-E7AC-45FC-B403-609067965419}" type="slidenum">
               <a:rPr lang="zh-TW" altLang="en-US" smtClean="0"/>
+              <a:pPr/>
               <a:t>‹#›</a:t>
             </a:fld>
             <a:endParaRPr lang="zh-TW" altLang="en-US"/>
@@ -13786,7 +13809,7 @@
         <p:spPr/>
         <p:txBody>
           <a:bodyPr>
-            <a:normAutofit/>
+            <a:normAutofit fontScale="92500" lnSpcReduction="10000"/>
           </a:bodyPr>
           <a:lstStyle/>
           <a:p>
@@ -13893,7 +13916,7 @@
         <p:spPr/>
         <p:txBody>
           <a:bodyPr>
-            <a:normAutofit/>
+            <a:normAutofit fontScale="92500" lnSpcReduction="10000"/>
           </a:bodyPr>
           <a:lstStyle/>
           <a:p>
@@ -13995,7 +14018,7 @@
         <p:spPr/>
         <p:txBody>
           <a:bodyPr>
-            <a:normAutofit/>
+            <a:normAutofit fontScale="92500" lnSpcReduction="10000"/>
           </a:bodyPr>
           <a:lstStyle/>
           <a:p>
